--- a/Presentazioni/Presentazioni PQ/Presentazione RQ.pptx
+++ b/Presentazioni/Presentazioni PQ/Presentazione RQ.pptx
@@ -7613,8 +7613,8 @@
         </p:nvSpPr>
         <p:spPr>
           <a:xfrm>
-            <a:off x="0" y="185553"/>
-            <a:ext cx="6234545" cy="1569660"/>
+            <a:off x="-354564" y="111686"/>
+            <a:ext cx="6234545" cy="1717393"/>
           </a:xfrm>
           <a:prstGeom prst="rect">
             <a:avLst/>
@@ -7635,14 +7635,14 @@
               </a:lnSpc>
             </a:pPr>
             <a:r>
-              <a:rPr lang="it-IT" altLang="zh-TW" sz="4000" b="1" dirty="0">
+              <a:rPr lang="it-IT" altLang="zh-CN" sz="4000" b="1" dirty="0">
                 <a:solidFill>
                   <a:schemeClr val="accent1">
                     <a:lumMod val="75000"/>
                   </a:schemeClr>
                 </a:solidFill>
               </a:rPr>
-              <a:t>Stato di completamento </a:t>
+              <a:t>Revisione di qualifica</a:t>
             </a:r>
           </a:p>
           <a:p>
@@ -7652,16 +7652,16 @@
               </a:lnSpc>
             </a:pPr>
             <a:r>
-              <a:rPr lang="it-IT" altLang="zh-TW" sz="4000" b="1" dirty="0">
+              <a:rPr lang="it-IT" altLang="zh-TW" sz="4800" b="1" dirty="0" err="1">
                 <a:solidFill>
                   <a:schemeClr val="accent1">
                     <a:lumMod val="75000"/>
                   </a:schemeClr>
                 </a:solidFill>
               </a:rPr>
-              <a:t>del prodotto</a:t>
+              <a:t>DeSpeect</a:t>
             </a:r>
-            <a:endParaRPr lang="en-US" altLang="zh-CN" sz="4000" b="1" dirty="0">
+            <a:endParaRPr lang="en-US" altLang="zh-CN" sz="4800" b="1" dirty="0">
               <a:solidFill>
                 <a:schemeClr val="accent1">
                   <a:lumMod val="75000"/>

--- a/Presentazioni/Presentazioni PQ/Presentazione RQ.pptx
+++ b/Presentazioni/Presentazioni PQ/Presentazione RQ.pptx
@@ -26121,8 +26121,8 @@
         </p:nvSpPr>
         <p:spPr>
           <a:xfrm>
-            <a:off x="835175" y="2382787"/>
-            <a:ext cx="10460181" cy="1815882"/>
+            <a:off x="4142792" y="2382787"/>
+            <a:ext cx="7152564" cy="2677656"/>
           </a:xfrm>
           <a:prstGeom prst="rect">
             <a:avLst/>
@@ -26185,7 +26185,29 @@
                 <a:ea typeface="Microsoft YaHei" charset="-122"/>
                 <a:cs typeface="Microsoft YaHei" charset="-122"/>
               </a:rPr>
-              <a:t>Nella fase di test abbiamo configurato Sonar e </a:t>
+              <a:t>Nella fase di test abbiamo configurato </a:t>
+            </a:r>
+            <a:r>
+              <a:rPr lang="it-IT" sz="2800" dirty="0" err="1">
+                <a:solidFill>
+                  <a:srgbClr val="515151"/>
+                </a:solidFill>
+                <a:latin typeface="Microsoft YaHei" charset="-122"/>
+                <a:ea typeface="Microsoft YaHei" charset="-122"/>
+                <a:cs typeface="Microsoft YaHei" charset="-122"/>
+              </a:rPr>
+              <a:t>SonarQube</a:t>
+            </a:r>
+            <a:r>
+              <a:rPr lang="it-IT" sz="2800" dirty="0">
+                <a:solidFill>
+                  <a:srgbClr val="515151"/>
+                </a:solidFill>
+                <a:latin typeface="Microsoft YaHei" charset="-122"/>
+                <a:ea typeface="Microsoft YaHei" charset="-122"/>
+                <a:cs typeface="Microsoft YaHei" charset="-122"/>
+              </a:rPr>
+              <a:t> e </a:t>
             </a:r>
             <a:r>
               <a:rPr lang="it-IT" sz="2800" dirty="0" err="1">
@@ -26209,6 +26231,597 @@
               </a:rPr>
               <a:t> CI</a:t>
             </a:r>
+          </a:p>
+        </p:txBody>
+      </p:sp>
+      <p:pic>
+        <p:nvPicPr>
+          <p:cNvPr id="9" name="Immagine 8">
+            <a:extLst>
+              <a:ext uri="{FF2B5EF4-FFF2-40B4-BE49-F238E27FC236}">
+                <a16:creationId xmlns:a16="http://schemas.microsoft.com/office/drawing/2014/main" id="{EC25B78D-CCC7-4E5A-9F7D-86E7397EAE92}"/>
+              </a:ext>
+            </a:extLst>
+          </p:cNvPr>
+          <p:cNvPicPr>
+            <a:picLocks noChangeAspect="1"/>
+          </p:cNvPicPr>
+          <p:nvPr/>
+        </p:nvPicPr>
+        <p:blipFill>
+          <a:blip r:embed="rId2"/>
+          <a:stretch>
+            <a:fillRect/>
+          </a:stretch>
+        </p:blipFill>
+        <p:spPr>
+          <a:xfrm>
+            <a:off x="1580242" y="1017288"/>
+            <a:ext cx="770020" cy="770020"/>
+          </a:xfrm>
+          <a:prstGeom prst="rect">
+            <a:avLst/>
+          </a:prstGeom>
+        </p:spPr>
+      </p:pic>
+      <p:pic>
+        <p:nvPicPr>
+          <p:cNvPr id="13" name="Immagine 12">
+            <a:extLst>
+              <a:ext uri="{FF2B5EF4-FFF2-40B4-BE49-F238E27FC236}">
+                <a16:creationId xmlns:a16="http://schemas.microsoft.com/office/drawing/2014/main" id="{DD7E1D5E-AFF0-46E3-A1FE-9602740A2DBA}"/>
+              </a:ext>
+            </a:extLst>
+          </p:cNvPr>
+          <p:cNvPicPr>
+            <a:picLocks noChangeAspect="1"/>
+          </p:cNvPicPr>
+          <p:nvPr/>
+        </p:nvPicPr>
+        <p:blipFill>
+          <a:blip r:embed="rId3"/>
+          <a:stretch>
+            <a:fillRect/>
+          </a:stretch>
+        </p:blipFill>
+        <p:spPr>
+          <a:xfrm>
+            <a:off x="1580242" y="2389286"/>
+            <a:ext cx="770020" cy="770020"/>
+          </a:xfrm>
+          <a:prstGeom prst="rect">
+            <a:avLst/>
+          </a:prstGeom>
+        </p:spPr>
+      </p:pic>
+      <p:pic>
+        <p:nvPicPr>
+          <p:cNvPr id="15" name="Immagine 14">
+            <a:extLst>
+              <a:ext uri="{FF2B5EF4-FFF2-40B4-BE49-F238E27FC236}">
+                <a16:creationId xmlns:a16="http://schemas.microsoft.com/office/drawing/2014/main" id="{7311BBBA-2C39-4E54-8779-595343F0E44E}"/>
+              </a:ext>
+            </a:extLst>
+          </p:cNvPr>
+          <p:cNvPicPr>
+            <a:picLocks noChangeAspect="1"/>
+          </p:cNvPicPr>
+          <p:nvPr/>
+        </p:nvPicPr>
+        <p:blipFill>
+          <a:blip r:embed="rId4"/>
+          <a:stretch>
+            <a:fillRect/>
+          </a:stretch>
+        </p:blipFill>
+        <p:spPr>
+          <a:xfrm>
+            <a:off x="1542918" y="3831715"/>
+            <a:ext cx="783339" cy="777085"/>
+          </a:xfrm>
+          <a:prstGeom prst="rect">
+            <a:avLst/>
+          </a:prstGeom>
+        </p:spPr>
+      </p:pic>
+      <p:pic>
+        <p:nvPicPr>
+          <p:cNvPr id="17" name="Immagine 16">
+            <a:extLst>
+              <a:ext uri="{FF2B5EF4-FFF2-40B4-BE49-F238E27FC236}">
+                <a16:creationId xmlns:a16="http://schemas.microsoft.com/office/drawing/2014/main" id="{2FA30996-7109-445C-8841-5993F5A96EB0}"/>
+              </a:ext>
+            </a:extLst>
+          </p:cNvPr>
+          <p:cNvPicPr>
+            <a:picLocks noChangeAspect="1"/>
+          </p:cNvPicPr>
+          <p:nvPr/>
+        </p:nvPicPr>
+        <p:blipFill>
+          <a:blip r:embed="rId5"/>
+          <a:stretch>
+            <a:fillRect/>
+          </a:stretch>
+        </p:blipFill>
+        <p:spPr>
+          <a:xfrm>
+            <a:off x="432954" y="5338509"/>
+            <a:ext cx="745050" cy="745050"/>
+          </a:xfrm>
+          <a:prstGeom prst="rect">
+            <a:avLst/>
+          </a:prstGeom>
+        </p:spPr>
+      </p:pic>
+      <p:pic>
+        <p:nvPicPr>
+          <p:cNvPr id="19" name="Immagine 18">
+            <a:extLst>
+              <a:ext uri="{FF2B5EF4-FFF2-40B4-BE49-F238E27FC236}">
+                <a16:creationId xmlns:a16="http://schemas.microsoft.com/office/drawing/2014/main" id="{BAA8B248-A8D8-49F8-95E8-331AB7F0EE48}"/>
+              </a:ext>
+            </a:extLst>
+          </p:cNvPr>
+          <p:cNvPicPr>
+            <a:picLocks noChangeAspect="1"/>
+          </p:cNvPicPr>
+          <p:nvPr/>
+        </p:nvPicPr>
+        <p:blipFill>
+          <a:blip r:embed="rId6"/>
+          <a:stretch>
+            <a:fillRect/>
+          </a:stretch>
+        </p:blipFill>
+        <p:spPr>
+          <a:xfrm>
+            <a:off x="2754376" y="5138004"/>
+            <a:ext cx="1530016" cy="1530016"/>
+          </a:xfrm>
+          <a:prstGeom prst="rect">
+            <a:avLst/>
+          </a:prstGeom>
+        </p:spPr>
+      </p:pic>
+      <p:sp>
+        <p:nvSpPr>
+          <p:cNvPr id="20" name="CasellaDiTesto 19">
+            <a:extLst>
+              <a:ext uri="{FF2B5EF4-FFF2-40B4-BE49-F238E27FC236}">
+                <a16:creationId xmlns:a16="http://schemas.microsoft.com/office/drawing/2014/main" id="{B21D5CFF-9307-481A-A0C9-A4F85736D1E8}"/>
+              </a:ext>
+            </a:extLst>
+          </p:cNvPr>
+          <p:cNvSpPr txBox="1"/>
+          <p:nvPr/>
+        </p:nvSpPr>
+        <p:spPr>
+          <a:xfrm>
+            <a:off x="1165994" y="1746694"/>
+            <a:ext cx="1598515" cy="276999"/>
+          </a:xfrm>
+          <a:prstGeom prst="rect">
+            <a:avLst/>
+          </a:prstGeom>
+          <a:noFill/>
+        </p:spPr>
+        <p:txBody>
+          <a:bodyPr wrap="none" rtlCol="0">
+            <a:spAutoFit/>
+          </a:bodyPr>
+          <a:lstStyle/>
+          <a:p>
+            <a:r>
+              <a:rPr lang="it-IT" sz="1200" dirty="0">
+                <a:solidFill>
+                  <a:srgbClr val="515151"/>
+                </a:solidFill>
+                <a:latin typeface="Microsoft YaHei" charset="-122"/>
+                <a:ea typeface="Microsoft YaHei" charset="-122"/>
+              </a:rPr>
+              <a:t>Scrittura del codice</a:t>
+            </a:r>
+          </a:p>
+        </p:txBody>
+      </p:sp>
+      <p:sp>
+        <p:nvSpPr>
+          <p:cNvPr id="21" name="CasellaDiTesto 20">
+            <a:extLst>
+              <a:ext uri="{FF2B5EF4-FFF2-40B4-BE49-F238E27FC236}">
+                <a16:creationId xmlns:a16="http://schemas.microsoft.com/office/drawing/2014/main" id="{9CD56A77-0747-4E0B-9267-1AEF55BE2901}"/>
+              </a:ext>
+            </a:extLst>
+          </p:cNvPr>
+          <p:cNvSpPr txBox="1"/>
+          <p:nvPr/>
+        </p:nvSpPr>
+        <p:spPr>
+          <a:xfrm>
+            <a:off x="1610827" y="3187840"/>
+            <a:ext cx="708848" cy="276999"/>
+          </a:xfrm>
+          <a:prstGeom prst="rect">
+            <a:avLst/>
+          </a:prstGeom>
+          <a:noFill/>
+        </p:spPr>
+        <p:txBody>
+          <a:bodyPr wrap="none" rtlCol="0">
+            <a:spAutoFit/>
+          </a:bodyPr>
+          <a:lstStyle/>
+          <a:p>
+            <a:r>
+              <a:rPr lang="it-IT" sz="1200" dirty="0">
+                <a:solidFill>
+                  <a:srgbClr val="515151"/>
+                </a:solidFill>
+                <a:latin typeface="Microsoft YaHei" charset="-122"/>
+                <a:ea typeface="Microsoft YaHei" charset="-122"/>
+              </a:rPr>
+              <a:t>GitHub</a:t>
+            </a:r>
+          </a:p>
+        </p:txBody>
+      </p:sp>
+      <p:sp>
+        <p:nvSpPr>
+          <p:cNvPr id="22" name="CasellaDiTesto 21">
+            <a:extLst>
+              <a:ext uri="{FF2B5EF4-FFF2-40B4-BE49-F238E27FC236}">
+                <a16:creationId xmlns:a16="http://schemas.microsoft.com/office/drawing/2014/main" id="{F06617EB-3BC3-4C44-9662-882390AFE726}"/>
+              </a:ext>
+            </a:extLst>
+          </p:cNvPr>
+          <p:cNvSpPr txBox="1"/>
+          <p:nvPr/>
+        </p:nvSpPr>
+        <p:spPr>
+          <a:xfrm>
+            <a:off x="1580242" y="4662112"/>
+            <a:ext cx="787395" cy="276999"/>
+          </a:xfrm>
+          <a:prstGeom prst="rect">
+            <a:avLst/>
+          </a:prstGeom>
+          <a:noFill/>
+        </p:spPr>
+        <p:txBody>
+          <a:bodyPr wrap="none" rtlCol="0">
+            <a:spAutoFit/>
+          </a:bodyPr>
+          <a:lstStyle/>
+          <a:p>
+            <a:r>
+              <a:rPr lang="it-IT" sz="1200" dirty="0" err="1">
+                <a:solidFill>
+                  <a:srgbClr val="515151"/>
+                </a:solidFill>
+                <a:latin typeface="Microsoft YaHei" charset="-122"/>
+                <a:ea typeface="Microsoft YaHei" charset="-122"/>
+              </a:rPr>
+              <a:t>Travis</a:t>
+            </a:r>
+            <a:r>
+              <a:rPr lang="it-IT" sz="1200" dirty="0">
+                <a:solidFill>
+                  <a:srgbClr val="515151"/>
+                </a:solidFill>
+                <a:latin typeface="Microsoft YaHei" charset="-122"/>
+                <a:ea typeface="Microsoft YaHei" charset="-122"/>
+              </a:rPr>
+              <a:t> CI</a:t>
+            </a:r>
+          </a:p>
+        </p:txBody>
+      </p:sp>
+      <p:sp>
+        <p:nvSpPr>
+          <p:cNvPr id="23" name="CasellaDiTesto 22">
+            <a:extLst>
+              <a:ext uri="{FF2B5EF4-FFF2-40B4-BE49-F238E27FC236}">
+                <a16:creationId xmlns:a16="http://schemas.microsoft.com/office/drawing/2014/main" id="{2EA451CF-3976-4D24-9032-A79A2F434841}"/>
+              </a:ext>
+            </a:extLst>
+          </p:cNvPr>
+          <p:cNvSpPr txBox="1"/>
+          <p:nvPr/>
+        </p:nvSpPr>
+        <p:spPr>
+          <a:xfrm>
+            <a:off x="99035" y="6236018"/>
+            <a:ext cx="1412887" cy="276999"/>
+          </a:xfrm>
+          <a:prstGeom prst="rect">
+            <a:avLst/>
+          </a:prstGeom>
+          <a:noFill/>
+        </p:spPr>
+        <p:txBody>
+          <a:bodyPr wrap="none" rtlCol="0">
+            <a:spAutoFit/>
+          </a:bodyPr>
+          <a:lstStyle/>
+          <a:p>
+            <a:r>
+              <a:rPr lang="it-IT" sz="1200" dirty="0" err="1">
+                <a:solidFill>
+                  <a:srgbClr val="515151"/>
+                </a:solidFill>
+                <a:latin typeface="Microsoft YaHei" charset="-122"/>
+                <a:ea typeface="Microsoft YaHei" charset="-122"/>
+              </a:rPr>
+              <a:t>Better</a:t>
+            </a:r>
+            <a:r>
+              <a:rPr lang="it-IT" sz="1200" dirty="0">
+                <a:solidFill>
+                  <a:srgbClr val="515151"/>
+                </a:solidFill>
+                <a:latin typeface="Microsoft YaHei" charset="-122"/>
+                <a:ea typeface="Microsoft YaHei" charset="-122"/>
+              </a:rPr>
+              <a:t> Code </a:t>
+            </a:r>
+            <a:r>
+              <a:rPr lang="it-IT" sz="1200" dirty="0" err="1">
+                <a:solidFill>
+                  <a:srgbClr val="515151"/>
+                </a:solidFill>
+                <a:latin typeface="Microsoft YaHei" charset="-122"/>
+                <a:ea typeface="Microsoft YaHei" charset="-122"/>
+              </a:rPr>
+              <a:t>Hub</a:t>
+            </a:r>
+            <a:endParaRPr lang="it-IT" sz="1200" dirty="0">
+              <a:solidFill>
+                <a:srgbClr val="515151"/>
+              </a:solidFill>
+              <a:latin typeface="Microsoft YaHei" charset="-122"/>
+              <a:ea typeface="Microsoft YaHei" charset="-122"/>
+            </a:endParaRPr>
+          </a:p>
+        </p:txBody>
+      </p:sp>
+      <p:sp>
+        <p:nvSpPr>
+          <p:cNvPr id="24" name="CasellaDiTesto 23">
+            <a:extLst>
+              <a:ext uri="{FF2B5EF4-FFF2-40B4-BE49-F238E27FC236}">
+                <a16:creationId xmlns:a16="http://schemas.microsoft.com/office/drawing/2014/main" id="{59364EBF-FC2E-4F07-9041-397132480549}"/>
+              </a:ext>
+            </a:extLst>
+          </p:cNvPr>
+          <p:cNvSpPr txBox="1"/>
+          <p:nvPr/>
+        </p:nvSpPr>
+        <p:spPr>
+          <a:xfrm>
+            <a:off x="2842776" y="6236017"/>
+            <a:ext cx="1013419" cy="276999"/>
+          </a:xfrm>
+          <a:prstGeom prst="rect">
+            <a:avLst/>
+          </a:prstGeom>
+          <a:noFill/>
+        </p:spPr>
+        <p:txBody>
+          <a:bodyPr wrap="none" rtlCol="0">
+            <a:spAutoFit/>
+          </a:bodyPr>
+          <a:lstStyle/>
+          <a:p>
+            <a:r>
+              <a:rPr lang="it-IT" sz="1200" dirty="0" err="1">
+                <a:solidFill>
+                  <a:srgbClr val="515151"/>
+                </a:solidFill>
+                <a:latin typeface="Microsoft YaHei" charset="-122"/>
+                <a:ea typeface="Microsoft YaHei" charset="-122"/>
+              </a:rPr>
+              <a:t>SonarQube</a:t>
+            </a:r>
+            <a:endParaRPr lang="it-IT" sz="1200" dirty="0">
+              <a:solidFill>
+                <a:srgbClr val="515151"/>
+              </a:solidFill>
+              <a:latin typeface="Microsoft YaHei" charset="-122"/>
+              <a:ea typeface="Microsoft YaHei" charset="-122"/>
+            </a:endParaRPr>
+          </a:p>
+        </p:txBody>
+      </p:sp>
+      <p:sp>
+        <p:nvSpPr>
+          <p:cNvPr id="26" name="Freccia a inversione 25">
+            <a:extLst>
+              <a:ext uri="{FF2B5EF4-FFF2-40B4-BE49-F238E27FC236}">
+                <a16:creationId xmlns:a16="http://schemas.microsoft.com/office/drawing/2014/main" id="{52B819ED-DB99-4F31-9317-3005EB2D544F}"/>
+              </a:ext>
+            </a:extLst>
+          </p:cNvPr>
+          <p:cNvSpPr/>
+          <p:nvPr/>
+        </p:nvSpPr>
+        <p:spPr>
+          <a:xfrm rot="5400000">
+            <a:off x="1919185" y="1978236"/>
+            <a:ext cx="1545250" cy="469870"/>
+          </a:xfrm>
+          <a:prstGeom prst="uturnArrow">
+            <a:avLst/>
+          </a:prstGeom>
+        </p:spPr>
+        <p:style>
+          <a:lnRef idx="2">
+            <a:schemeClr val="accent1">
+              <a:shade val="50000"/>
+            </a:schemeClr>
+          </a:lnRef>
+          <a:fillRef idx="1">
+            <a:schemeClr val="accent1"/>
+          </a:fillRef>
+          <a:effectRef idx="0">
+            <a:schemeClr val="accent1"/>
+          </a:effectRef>
+          <a:fontRef idx="minor">
+            <a:schemeClr val="lt1"/>
+          </a:fontRef>
+        </p:style>
+        <p:txBody>
+          <a:bodyPr rtlCol="0" anchor="ctr"/>
+          <a:lstStyle/>
+          <a:p>
+            <a:pPr algn="r"/>
+            <a:endParaRPr lang="it-IT" dirty="0">
+              <a:solidFill>
+                <a:schemeClr val="tx1"/>
+              </a:solidFill>
+            </a:endParaRPr>
+          </a:p>
+        </p:txBody>
+      </p:sp>
+      <p:sp>
+        <p:nvSpPr>
+          <p:cNvPr id="27" name="Freccia a inversione 26">
+            <a:extLst>
+              <a:ext uri="{FF2B5EF4-FFF2-40B4-BE49-F238E27FC236}">
+                <a16:creationId xmlns:a16="http://schemas.microsoft.com/office/drawing/2014/main" id="{9256637A-C683-490A-8CF7-409F76005E1E}"/>
+              </a:ext>
+            </a:extLst>
+          </p:cNvPr>
+          <p:cNvSpPr/>
+          <p:nvPr/>
+        </p:nvSpPr>
+        <p:spPr>
+          <a:xfrm rot="16200000" flipH="1">
+            <a:off x="346910" y="3385609"/>
+            <a:ext cx="1638560" cy="469870"/>
+          </a:xfrm>
+          <a:prstGeom prst="uturnArrow">
+            <a:avLst/>
+          </a:prstGeom>
+        </p:spPr>
+        <p:style>
+          <a:lnRef idx="2">
+            <a:schemeClr val="accent1">
+              <a:shade val="50000"/>
+            </a:schemeClr>
+          </a:lnRef>
+          <a:fillRef idx="1">
+            <a:schemeClr val="accent1"/>
+          </a:fillRef>
+          <a:effectRef idx="0">
+            <a:schemeClr val="accent1"/>
+          </a:effectRef>
+          <a:fontRef idx="minor">
+            <a:schemeClr val="lt1"/>
+          </a:fontRef>
+        </p:style>
+        <p:txBody>
+          <a:bodyPr rtlCol="0" anchor="ctr"/>
+          <a:lstStyle/>
+          <a:p>
+            <a:pPr algn="r"/>
+            <a:endParaRPr lang="it-IT" dirty="0">
+              <a:solidFill>
+                <a:schemeClr val="tx1"/>
+              </a:solidFill>
+            </a:endParaRPr>
+          </a:p>
+        </p:txBody>
+      </p:sp>
+      <p:sp>
+        <p:nvSpPr>
+          <p:cNvPr id="30" name="Rettangolo 29">
+            <a:extLst>
+              <a:ext uri="{FF2B5EF4-FFF2-40B4-BE49-F238E27FC236}">
+                <a16:creationId xmlns:a16="http://schemas.microsoft.com/office/drawing/2014/main" id="{933D4939-2BA0-4616-BE8A-1ACE6C2D6F02}"/>
+              </a:ext>
+            </a:extLst>
+          </p:cNvPr>
+          <p:cNvSpPr/>
+          <p:nvPr/>
+        </p:nvSpPr>
+        <p:spPr>
+          <a:xfrm>
+            <a:off x="1899073" y="4975676"/>
+            <a:ext cx="134234" cy="742943"/>
+          </a:xfrm>
+          <a:prstGeom prst="rect">
+            <a:avLst/>
+          </a:prstGeom>
+        </p:spPr>
+        <p:style>
+          <a:lnRef idx="2">
+            <a:schemeClr val="accent1">
+              <a:shade val="50000"/>
+            </a:schemeClr>
+          </a:lnRef>
+          <a:fillRef idx="1">
+            <a:schemeClr val="accent1"/>
+          </a:fillRef>
+          <a:effectRef idx="0">
+            <a:schemeClr val="accent1"/>
+          </a:effectRef>
+          <a:fontRef idx="minor">
+            <a:schemeClr val="lt1"/>
+          </a:fontRef>
+        </p:style>
+        <p:txBody>
+          <a:bodyPr rtlCol="0" anchor="ctr"/>
+          <a:lstStyle/>
+          <a:p>
+            <a:pPr algn="ctr"/>
+            <a:endParaRPr lang="it-IT"/>
+          </a:p>
+        </p:txBody>
+      </p:sp>
+      <p:sp>
+        <p:nvSpPr>
+          <p:cNvPr id="29" name="Freccia bidirezionale orizzontale 28">
+            <a:extLst>
+              <a:ext uri="{FF2B5EF4-FFF2-40B4-BE49-F238E27FC236}">
+                <a16:creationId xmlns:a16="http://schemas.microsoft.com/office/drawing/2014/main" id="{0FFEDB25-4648-4EF9-AF77-8D192D616680}"/>
+              </a:ext>
+            </a:extLst>
+          </p:cNvPr>
+          <p:cNvSpPr/>
+          <p:nvPr/>
+        </p:nvSpPr>
+        <p:spPr>
+          <a:xfrm>
+            <a:off x="1307826" y="5626359"/>
+            <a:ext cx="1316728" cy="223362"/>
+          </a:xfrm>
+          <a:prstGeom prst="leftRightArrow">
+            <a:avLst/>
+          </a:prstGeom>
+        </p:spPr>
+        <p:style>
+          <a:lnRef idx="2">
+            <a:schemeClr val="accent1">
+              <a:shade val="50000"/>
+            </a:schemeClr>
+          </a:lnRef>
+          <a:fillRef idx="1">
+            <a:schemeClr val="accent1"/>
+          </a:fillRef>
+          <a:effectRef idx="0">
+            <a:schemeClr val="accent1"/>
+          </a:effectRef>
+          <a:fontRef idx="minor">
+            <a:schemeClr val="lt1"/>
+          </a:fontRef>
+        </p:style>
+        <p:txBody>
+          <a:bodyPr rtlCol="0" anchor="ctr"/>
+          <a:lstStyle/>
+          <a:p>
+            <a:pPr algn="ctr"/>
+            <a:endParaRPr lang="it-IT"/>
           </a:p>
         </p:txBody>
       </p:sp>

--- a/Presentazioni/Presentazioni PQ/Presentazione RQ.pptx
+++ b/Presentazioni/Presentazioni PQ/Presentazione RQ.pptx
@@ -26121,8 +26121,8 @@
         </p:nvSpPr>
         <p:spPr>
           <a:xfrm>
-            <a:off x="4142792" y="2382787"/>
-            <a:ext cx="7152564" cy="2677656"/>
+            <a:off x="4142791" y="2382787"/>
+            <a:ext cx="7277877" cy="2677656"/>
           </a:xfrm>
           <a:prstGeom prst="rect">
             <a:avLst/>
@@ -26185,7 +26185,29 @@
                 <a:ea typeface="Microsoft YaHei" charset="-122"/>
                 <a:cs typeface="Microsoft YaHei" charset="-122"/>
               </a:rPr>
-              <a:t>Nella fase di test abbiamo configurato </a:t>
+              <a:t>Abbiamo instaurato una CI integrando </a:t>
+            </a:r>
+            <a:r>
+              <a:rPr lang="it-IT" sz="2800" dirty="0" err="1">
+                <a:solidFill>
+                  <a:srgbClr val="515151"/>
+                </a:solidFill>
+                <a:latin typeface="Microsoft YaHei" charset="-122"/>
+                <a:ea typeface="Microsoft YaHei" charset="-122"/>
+                <a:cs typeface="Microsoft YaHei" charset="-122"/>
+              </a:rPr>
+              <a:t>Travis</a:t>
+            </a:r>
+            <a:r>
+              <a:rPr lang="it-IT" sz="2800" dirty="0">
+                <a:solidFill>
+                  <a:srgbClr val="515151"/>
+                </a:solidFill>
+                <a:latin typeface="Microsoft YaHei" charset="-122"/>
+                <a:ea typeface="Microsoft YaHei" charset="-122"/>
+                <a:cs typeface="Microsoft YaHei" charset="-122"/>
+              </a:rPr>
+              <a:t> CI, </a:t>
             </a:r>
             <a:r>
               <a:rPr lang="it-IT" sz="2800" dirty="0" err="1">
@@ -26218,19 +26240,16 @@
                 <a:ea typeface="Microsoft YaHei" charset="-122"/>
                 <a:cs typeface="Microsoft YaHei" charset="-122"/>
               </a:rPr>
-              <a:t>Travis</a:t>
+              <a:t>BetterCodeHub</a:t>
             </a:r>
-            <a:r>
-              <a:rPr lang="it-IT" sz="2800" dirty="0">
-                <a:solidFill>
-                  <a:srgbClr val="515151"/>
-                </a:solidFill>
-                <a:latin typeface="Microsoft YaHei" charset="-122"/>
-                <a:ea typeface="Microsoft YaHei" charset="-122"/>
-                <a:cs typeface="Microsoft YaHei" charset="-122"/>
-              </a:rPr>
-              <a:t> CI</a:t>
-            </a:r>
+            <a:endParaRPr lang="it-IT" sz="2800" dirty="0">
+              <a:solidFill>
+                <a:srgbClr val="515151"/>
+              </a:solidFill>
+              <a:latin typeface="Microsoft YaHei" charset="-122"/>
+              <a:ea typeface="Microsoft YaHei" charset="-122"/>
+              <a:cs typeface="Microsoft YaHei" charset="-122"/>
+            </a:endParaRPr>
           </a:p>
         </p:txBody>
       </p:sp>
@@ -26531,8 +26550,8 @@
         </p:nvSpPr>
         <p:spPr>
           <a:xfrm>
-            <a:off x="99035" y="6236018"/>
-            <a:ext cx="1412887" cy="276999"/>
+            <a:off x="153250" y="6231977"/>
+            <a:ext cx="1323119" cy="276999"/>
           </a:xfrm>
           <a:prstGeom prst="rect">
             <a:avLst/>
@@ -26553,27 +26572,7 @@
                 <a:latin typeface="Microsoft YaHei" charset="-122"/>
                 <a:ea typeface="Microsoft YaHei" charset="-122"/>
               </a:rPr>
-              <a:t>Better</a:t>
-            </a:r>
-            <a:r>
-              <a:rPr lang="it-IT" sz="1200" dirty="0">
-                <a:solidFill>
-                  <a:srgbClr val="515151"/>
-                </a:solidFill>
-                <a:latin typeface="Microsoft YaHei" charset="-122"/>
-                <a:ea typeface="Microsoft YaHei" charset="-122"/>
-              </a:rPr>
-              <a:t> Code </a:t>
-            </a:r>
-            <a:r>
-              <a:rPr lang="it-IT" sz="1200" dirty="0" err="1">
-                <a:solidFill>
-                  <a:srgbClr val="515151"/>
-                </a:solidFill>
-                <a:latin typeface="Microsoft YaHei" charset="-122"/>
-                <a:ea typeface="Microsoft YaHei" charset="-122"/>
-              </a:rPr>
-              <a:t>Hub</a:t>
+              <a:t>BetterCodeHub</a:t>
             </a:r>
             <a:endParaRPr lang="it-IT" sz="1200" dirty="0">
               <a:solidFill>
@@ -26920,109 +26919,6 @@
                                           <p:spTgt spid="3">
                                             <p:txEl>
                                               <p:pRg st="0" end="0"/>
-                                            </p:txEl>
-                                          </p:spTgt>
-                                        </p:tgtEl>
-                                        <p:attrNameLst>
-                                          <p:attrName>ppt_y</p:attrName>
-                                        </p:attrNameLst>
-                                      </p:cBhvr>
-                                      <p:tavLst>
-                                        <p:tav tm="0">
-                                          <p:val>
-                                            <p:strVal val="1+#ppt_h/2"/>
-                                          </p:val>
-                                        </p:tav>
-                                        <p:tav tm="100000">
-                                          <p:val>
-                                            <p:strVal val="#ppt_y"/>
-                                          </p:val>
-                                        </p:tav>
-                                      </p:tavLst>
-                                    </p:anim>
-                                  </p:childTnLst>
-                                </p:cTn>
-                              </p:par>
-                            </p:childTnLst>
-                          </p:cTn>
-                        </p:par>
-                      </p:childTnLst>
-                    </p:cTn>
-                  </p:par>
-                  <p:par>
-                    <p:cTn id="9" fill="hold">
-                      <p:stCondLst>
-                        <p:cond delay="indefinite"/>
-                      </p:stCondLst>
-                      <p:childTnLst>
-                        <p:par>
-                          <p:cTn id="10" fill="hold">
-                            <p:stCondLst>
-                              <p:cond delay="0"/>
-                            </p:stCondLst>
-                            <p:childTnLst>
-                              <p:par>
-                                <p:cTn id="11" presetID="2" presetClass="entr" presetSubtype="4" fill="hold" nodeType="clickEffect">
-                                  <p:stCondLst>
-                                    <p:cond delay="0"/>
-                                  </p:stCondLst>
-                                  <p:childTnLst>
-                                    <p:set>
-                                      <p:cBhvr>
-                                        <p:cTn id="12" dur="1" fill="hold">
-                                          <p:stCondLst>
-                                            <p:cond delay="0"/>
-                                          </p:stCondLst>
-                                        </p:cTn>
-                                        <p:tgtEl>
-                                          <p:spTgt spid="3">
-                                            <p:txEl>
-                                              <p:pRg st="2" end="2"/>
-                                            </p:txEl>
-                                          </p:spTgt>
-                                        </p:tgtEl>
-                                        <p:attrNameLst>
-                                          <p:attrName>style.visibility</p:attrName>
-                                        </p:attrNameLst>
-                                      </p:cBhvr>
-                                      <p:to>
-                                        <p:strVal val="visible"/>
-                                      </p:to>
-                                    </p:set>
-                                    <p:anim calcmode="lin" valueType="num">
-                                      <p:cBhvr additive="base">
-                                        <p:cTn id="13" dur="500" fill="hold"/>
-                                        <p:tgtEl>
-                                          <p:spTgt spid="3">
-                                            <p:txEl>
-                                              <p:pRg st="2" end="2"/>
-                                            </p:txEl>
-                                          </p:spTgt>
-                                        </p:tgtEl>
-                                        <p:attrNameLst>
-                                          <p:attrName>ppt_x</p:attrName>
-                                        </p:attrNameLst>
-                                      </p:cBhvr>
-                                      <p:tavLst>
-                                        <p:tav tm="0">
-                                          <p:val>
-                                            <p:strVal val="#ppt_x"/>
-                                          </p:val>
-                                        </p:tav>
-                                        <p:tav tm="100000">
-                                          <p:val>
-                                            <p:strVal val="#ppt_x"/>
-                                          </p:val>
-                                        </p:tav>
-                                      </p:tavLst>
-                                    </p:anim>
-                                    <p:anim calcmode="lin" valueType="num">
-                                      <p:cBhvr additive="base">
-                                        <p:cTn id="14" dur="500" fill="hold"/>
-                                        <p:tgtEl>
-                                          <p:spTgt spid="3">
-                                            <p:txEl>
-                                              <p:pRg st="2" end="2"/>
                                             </p:txEl>
                                           </p:spTgt>
                                         </p:tgtEl>

--- a/Presentazioni/Presentazioni PQ/Presentazione RQ.pptx
+++ b/Presentazioni/Presentazioni PQ/Presentazione RQ.pptx
@@ -26948,6 +26948,109 @@
                       </p:childTnLst>
                     </p:cTn>
                   </p:par>
+                  <p:par>
+                    <p:cTn id="9" fill="hold">
+                      <p:stCondLst>
+                        <p:cond delay="indefinite"/>
+                      </p:stCondLst>
+                      <p:childTnLst>
+                        <p:par>
+                          <p:cTn id="10" fill="hold">
+                            <p:stCondLst>
+                              <p:cond delay="0"/>
+                            </p:stCondLst>
+                            <p:childTnLst>
+                              <p:par>
+                                <p:cTn id="11" presetID="2" presetClass="entr" presetSubtype="4" fill="hold" nodeType="clickEffect">
+                                  <p:stCondLst>
+                                    <p:cond delay="0"/>
+                                  </p:stCondLst>
+                                  <p:childTnLst>
+                                    <p:set>
+                                      <p:cBhvr>
+                                        <p:cTn id="12" dur="1" fill="hold">
+                                          <p:stCondLst>
+                                            <p:cond delay="0"/>
+                                          </p:stCondLst>
+                                        </p:cTn>
+                                        <p:tgtEl>
+                                          <p:spTgt spid="3">
+                                            <p:txEl>
+                                              <p:pRg st="2" end="2"/>
+                                            </p:txEl>
+                                          </p:spTgt>
+                                        </p:tgtEl>
+                                        <p:attrNameLst>
+                                          <p:attrName>style.visibility</p:attrName>
+                                        </p:attrNameLst>
+                                      </p:cBhvr>
+                                      <p:to>
+                                        <p:strVal val="visible"/>
+                                      </p:to>
+                                    </p:set>
+                                    <p:anim calcmode="lin" valueType="num">
+                                      <p:cBhvr additive="base">
+                                        <p:cTn id="13" dur="500" fill="hold"/>
+                                        <p:tgtEl>
+                                          <p:spTgt spid="3">
+                                            <p:txEl>
+                                              <p:pRg st="2" end="2"/>
+                                            </p:txEl>
+                                          </p:spTgt>
+                                        </p:tgtEl>
+                                        <p:attrNameLst>
+                                          <p:attrName>ppt_x</p:attrName>
+                                        </p:attrNameLst>
+                                      </p:cBhvr>
+                                      <p:tavLst>
+                                        <p:tav tm="0">
+                                          <p:val>
+                                            <p:strVal val="#ppt_x"/>
+                                          </p:val>
+                                        </p:tav>
+                                        <p:tav tm="100000">
+                                          <p:val>
+                                            <p:strVal val="#ppt_x"/>
+                                          </p:val>
+                                        </p:tav>
+                                      </p:tavLst>
+                                    </p:anim>
+                                    <p:anim calcmode="lin" valueType="num">
+                                      <p:cBhvr additive="base">
+                                        <p:cTn id="14" dur="500" fill="hold"/>
+                                        <p:tgtEl>
+                                          <p:spTgt spid="3">
+                                            <p:txEl>
+                                              <p:pRg st="2" end="2"/>
+                                            </p:txEl>
+                                          </p:spTgt>
+                                        </p:tgtEl>
+                                        <p:attrNameLst>
+                                          <p:attrName>ppt_y</p:attrName>
+                                        </p:attrNameLst>
+                                      </p:cBhvr>
+                                      <p:tavLst>
+                                        <p:tav tm="0">
+                                          <p:val>
+                                            <p:strVal val="1+#ppt_h/2"/>
+                                          </p:val>
+                                        </p:tav>
+                                        <p:tav tm="100000">
+                                          <p:val>
+                                            <p:strVal val="#ppt_y"/>
+                                          </p:val>
+                                        </p:tav>
+                                      </p:tavLst>
+                                    </p:anim>
+                                  </p:childTnLst>
+                                </p:cTn>
+                              </p:par>
+                            </p:childTnLst>
+                          </p:cTn>
+                        </p:par>
+                      </p:childTnLst>
+                    </p:cTn>
+                  </p:par>
                 </p:childTnLst>
               </p:cTn>
               <p:prevCondLst>

--- a/Presentazioni/Presentazioni PQ/Presentazione RQ.pptx
+++ b/Presentazioni/Presentazioni PQ/Presentazione RQ.pptx
@@ -151,6 +151,7 @@
   </mc:AlternateContent>
   <c:chart>
     <c:title>
+      <c:layout/>
       <c:overlay val="0"/>
       <c:spPr>
         <a:noFill/>
@@ -597,6 +598,7 @@
         <c:idx val="3"/>
         <c:delete val="1"/>
       </c:legendEntry>
+      <c:layout/>
       <c:overlay val="0"/>
       <c:spPr>
         <a:noFill/>
@@ -716,6 +718,7 @@
           </a:p>
         </c:rich>
       </c:tx>
+      <c:layout/>
       <c:overlay val="0"/>
       <c:spPr>
         <a:noFill/>
@@ -1005,7 +1008,9 @@
               <c:showPercent val="1"/>
               <c:showBubbleSize val="0"/>
               <c:extLst>
-                <c:ext xmlns:c15="http://schemas.microsoft.com/office/drawing/2012/chart" uri="{CE6537A1-D6FC-4f65-9D91-7224C49458BB}"/>
+                <c:ext xmlns:c15="http://schemas.microsoft.com/office/drawing/2012/chart" uri="{CE6537A1-D6FC-4f65-9D91-7224C49458BB}">
+                  <c15:layout/>
+                </c:ext>
                 <c:ext xmlns:c16="http://schemas.microsoft.com/office/drawing/2014/chart" uri="{C3380CC4-5D6E-409C-BE32-E72D297353CC}">
                   <c16:uniqueId val="{00000001-4C62-4867-8391-0BF5CE399FD6}"/>
                 </c:ext>
@@ -1172,6 +1177,7 @@
         <c:idx val="3"/>
         <c:delete val="1"/>
       </c:legendEntry>
+      <c:layout/>
       <c:overlay val="0"/>
       <c:spPr>
         <a:noFill/>
@@ -1283,6 +1289,7 @@
           </a:p>
         </c:rich>
       </c:tx>
+      <c:layout/>
       <c:overlay val="0"/>
       <c:spPr>
         <a:noFill/>
@@ -1527,6 +1534,7 @@
           <c:dLbls>
             <c:dLbl>
               <c:idx val="0"/>
+              <c:layout/>
               <c:tx>
                 <c:rich>
                   <a:bodyPr rot="0" spcFirstLastPara="1" vertOverflow="ellipsis" vert="horz" wrap="square" lIns="38100" tIns="19050" rIns="38100" bIns="19050" anchor="ctr" anchorCtr="1">
@@ -1594,6 +1602,7 @@
               <c:showBubbleSize val="0"/>
               <c:extLst>
                 <c:ext xmlns:c15="http://schemas.microsoft.com/office/drawing/2012/chart" uri="{CE6537A1-D6FC-4f65-9D91-7224C49458BB}">
+                  <c15:layout/>
                   <c15:dlblFieldTable/>
                   <c15:showDataLabelsRange val="0"/>
                 </c:ext>
@@ -1604,6 +1613,7 @@
             </c:dLbl>
             <c:dLbl>
               <c:idx val="1"/>
+              <c:layout/>
               <c:tx>
                 <c:rich>
                   <a:bodyPr rot="0" spcFirstLastPara="1" vertOverflow="ellipsis" vert="horz" wrap="square" lIns="38100" tIns="19050" rIns="38100" bIns="19050" anchor="ctr" anchorCtr="1">
@@ -1671,6 +1681,7 @@
               <c:showBubbleSize val="0"/>
               <c:extLst>
                 <c:ext xmlns:c15="http://schemas.microsoft.com/office/drawing/2012/chart" uri="{CE6537A1-D6FC-4f65-9D91-7224C49458BB}">
+                  <c15:layout/>
                   <c15:dlblFieldTable/>
                   <c15:showDataLabelsRange val="0"/>
                 </c:ext>
@@ -1753,10 +1764,10 @@
                 <c:formatCode>General</c:formatCode>
                 <c:ptCount val="4"/>
                 <c:pt idx="0">
-                  <c:v>0.54</c:v>
+                  <c:v>0.67</c:v>
                 </c:pt>
                 <c:pt idx="1">
-                  <c:v>0.46</c:v>
+                  <c:v>0.33</c:v>
                 </c:pt>
               </c:numCache>
             </c:numRef>
@@ -1837,6 +1848,7 @@
         <c:idx val="3"/>
         <c:delete val="1"/>
       </c:legendEntry>
+      <c:layout/>
       <c:overlay val="0"/>
       <c:spPr>
         <a:noFill/>
@@ -1949,6 +1961,7 @@
           </a:p>
         </c:rich>
       </c:tx>
+      <c:layout/>
       <c:overlay val="0"/>
       <c:spPr>
         <a:noFill/>
@@ -2347,6 +2360,7 @@
         <c:idx val="3"/>
         <c:delete val="1"/>
       </c:legendEntry>
+      <c:layout/>
       <c:overlay val="0"/>
       <c:spPr>
         <a:noFill/>
@@ -8885,7 +8899,7 @@
         <p:spPr>
           <a:xfrm>
             <a:off x="549857" y="1993371"/>
-            <a:ext cx="11138227" cy="3046988"/>
+            <a:ext cx="11138227" cy="2308324"/>
           </a:xfrm>
           <a:prstGeom prst="rect">
             <a:avLst/>
@@ -8905,6 +8919,16 @@
               <a:buChar char="v"/>
             </a:pPr>
             <a:r>
+              <a:rPr lang="it-IT" sz="2400" dirty="0" smtClean="0">
+                <a:solidFill>
+                  <a:srgbClr val="515151"/>
+                </a:solidFill>
+                <a:latin typeface="Microsoft YaHei" charset="-122"/>
+                <a:ea typeface="Microsoft YaHei" charset="-122"/>
+              </a:rPr>
+              <a:t>Suddivisione delle </a:t>
+            </a:r>
+            <a:r>
               <a:rPr lang="it-IT" sz="2400" dirty="0">
                 <a:solidFill>
                   <a:srgbClr val="515151"/>
@@ -8912,7 +8936,57 @@
                 <a:latin typeface="Microsoft YaHei" charset="-122"/>
                 <a:ea typeface="Microsoft YaHei" charset="-122"/>
               </a:rPr>
-              <a:t>Test del codice</a:t>
+              <a:t>attività a causa degli impegni dei componenti del </a:t>
+            </a:r>
+            <a:r>
+              <a:rPr lang="it-IT" sz="2400" dirty="0" smtClean="0">
+                <a:solidFill>
+                  <a:srgbClr val="515151"/>
+                </a:solidFill>
+                <a:latin typeface="Microsoft YaHei" charset="-122"/>
+                <a:ea typeface="Microsoft YaHei" charset="-122"/>
+              </a:rPr>
+              <a:t>gruppo</a:t>
+            </a:r>
+            <a:endParaRPr lang="it-IT" sz="2400" dirty="0">
+              <a:solidFill>
+                <a:srgbClr val="515151"/>
+              </a:solidFill>
+              <a:latin typeface="Microsoft YaHei" charset="-122"/>
+              <a:ea typeface="Microsoft YaHei" charset="-122"/>
+            </a:endParaRPr>
+          </a:p>
+          <a:p>
+            <a:pPr algn="just">
+              <a:buClr>
+                <a:srgbClr val="FFDA00"/>
+              </a:buClr>
+            </a:pPr>
+            <a:endParaRPr lang="it-IT" sz="2400" dirty="0">
+              <a:solidFill>
+                <a:srgbClr val="515151"/>
+              </a:solidFill>
+              <a:latin typeface="Microsoft YaHei" charset="-122"/>
+              <a:ea typeface="Microsoft YaHei" charset="-122"/>
+            </a:endParaRPr>
+          </a:p>
+          <a:p>
+            <a:pPr marL="457200" indent="-457200" algn="just">
+              <a:buClr>
+                <a:srgbClr val="FFDA00"/>
+              </a:buClr>
+              <a:buFont typeface="Wingdings" charset="2"/>
+              <a:buChar char="v"/>
+            </a:pPr>
+            <a:r>
+              <a:rPr lang="it-IT" sz="2400" dirty="0" smtClean="0">
+                <a:solidFill>
+                  <a:srgbClr val="515151"/>
+                </a:solidFill>
+                <a:latin typeface="Microsoft YaHei" charset="-122"/>
+                <a:ea typeface="Microsoft YaHei" charset="-122"/>
+              </a:rPr>
+              <a:t>Progettazione  dell’architettura</a:t>
             </a:r>
           </a:p>
           <a:p>
@@ -8940,40 +9014,15 @@
               <a:buChar char="v"/>
             </a:pPr>
             <a:r>
-              <a:rPr lang="it-IT" sz="2400" dirty="0">
+              <a:rPr lang="it-IT" sz="2400" dirty="0" smtClean="0">
                 <a:solidFill>
                   <a:srgbClr val="515151"/>
                 </a:solidFill>
                 <a:latin typeface="Microsoft YaHei" charset="-122"/>
                 <a:ea typeface="Microsoft YaHei" charset="-122"/>
               </a:rPr>
-              <a:t>Tempistiche nella la sincronizzazione dei lavori a causa degli impegni dei componenti del gruppo</a:t>
+              <a:t>Implementazione dei test </a:t>
             </a:r>
-          </a:p>
-          <a:p>
-            <a:pPr marL="457200" indent="-457200" algn="just">
-              <a:buClr>
-                <a:srgbClr val="FFDA00"/>
-              </a:buClr>
-              <a:buFont typeface="Wingdings" charset="2"/>
-              <a:buChar char="v"/>
-            </a:pPr>
-            <a:endParaRPr lang="it-IT" sz="2400" dirty="0">
-              <a:solidFill>
-                <a:srgbClr val="515151"/>
-              </a:solidFill>
-              <a:latin typeface="Microsoft YaHei" charset="-122"/>
-              <a:ea typeface="Microsoft YaHei" charset="-122"/>
-            </a:endParaRPr>
-          </a:p>
-          <a:p>
-            <a:pPr marL="457200" indent="-457200" algn="just">
-              <a:buClr>
-                <a:srgbClr val="FFDA00"/>
-              </a:buClr>
-              <a:buFont typeface="Wingdings" charset="2"/>
-              <a:buChar char="v"/>
-            </a:pPr>
             <a:r>
               <a:rPr lang="it-IT" sz="2400" dirty="0">
                 <a:solidFill>
@@ -8982,12 +9031,29 @@
                 <a:latin typeface="Microsoft YaHei" charset="-122"/>
                 <a:ea typeface="Microsoft YaHei" charset="-122"/>
               </a:rPr>
-              <a:t>Una volta che i sviluppatori hanno concluso la parte di sviluppo hanno dovuto aggiungersi ai programmatori e questo ha rallentato, in prima battuta, il lavoro dei programmatori</a:t>
+              <a:t>del </a:t>
             </a:r>
             <a:r>
-              <a:rPr lang="it-IT" sz="2400" dirty="0"/>
-              <a:t>	</a:t>
+              <a:rPr lang="it-IT" sz="2400" dirty="0" smtClean="0">
+                <a:solidFill>
+                  <a:srgbClr val="515151"/>
+                </a:solidFill>
+                <a:latin typeface="Microsoft YaHei" charset="-122"/>
+                <a:ea typeface="Microsoft YaHei" charset="-122"/>
+              </a:rPr>
+              <a:t>codice nella </a:t>
             </a:r>
+            <a:r>
+              <a:rPr lang="it-IT" sz="2400" dirty="0" err="1" smtClean="0">
+                <a:solidFill>
+                  <a:srgbClr val="515151"/>
+                </a:solidFill>
+                <a:latin typeface="Microsoft YaHei" charset="-122"/>
+                <a:ea typeface="Microsoft YaHei" charset="-122"/>
+              </a:rPr>
+              <a:t>repository</a:t>
+            </a:r>
+            <a:endParaRPr lang="it-IT" sz="2400" dirty="0"/>
           </a:p>
         </p:txBody>
       </p:sp>
@@ -9604,7 +9670,7 @@
         <p:spPr>
           <a:xfrm>
             <a:off x="1087676" y="2669938"/>
-            <a:ext cx="9474577" cy="3416320"/>
+            <a:ext cx="9474577" cy="2677656"/>
           </a:xfrm>
           <a:prstGeom prst="rect">
             <a:avLst/>
@@ -9624,54 +9690,52 @@
               <a:buChar char="v"/>
             </a:pPr>
             <a:r>
-              <a:rPr lang="it-IT" sz="2400" dirty="0">
+              <a:rPr lang="it-IT" sz="2400" dirty="0" smtClean="0">
                 <a:solidFill>
                   <a:srgbClr val="515151"/>
                 </a:solidFill>
                 <a:latin typeface="Microsoft YaHei" charset="-122"/>
                 <a:ea typeface="Microsoft YaHei" charset="-122"/>
               </a:rPr>
-              <a:t>Per la fase di test abbiamo utilizzato </a:t>
+              <a:t>Risolto  problema riguardante </a:t>
             </a:r>
             <a:r>
-              <a:rPr lang="it-IT" sz="2400" dirty="0" err="1">
+              <a:rPr lang="it-IT" sz="2400" dirty="0" err="1" smtClean="0">
                 <a:solidFill>
                   <a:srgbClr val="515151"/>
                 </a:solidFill>
                 <a:latin typeface="Microsoft YaHei" charset="-122"/>
                 <a:ea typeface="Microsoft YaHei" charset="-122"/>
               </a:rPr>
-              <a:t>Travis</a:t>
+              <a:t>path</a:t>
             </a:r>
             <a:r>
-              <a:rPr lang="it-IT" sz="2400" dirty="0">
+              <a:rPr lang="it-IT" sz="2400" dirty="0" smtClean="0">
                 <a:solidFill>
                   <a:srgbClr val="515151"/>
                 </a:solidFill>
                 <a:latin typeface="Microsoft YaHei" charset="-122"/>
                 <a:ea typeface="Microsoft YaHei" charset="-122"/>
               </a:rPr>
-              <a:t> CI e Sonar</a:t>
+              <a:t> di </a:t>
             </a:r>
-          </a:p>
-          <a:p>
-            <a:pPr marL="1257300" lvl="2" indent="-342900">
-              <a:buClr>
-                <a:srgbClr val="FFD600"/>
-              </a:buClr>
-              <a:buFont typeface="Wingdings" panose="05000000000000000000" pitchFamily="2" charset="2"/>
-              <a:buChar char="§"/>
-            </a:pPr>
             <a:r>
-              <a:rPr lang="it-IT" sz="2400" dirty="0">
+              <a:rPr lang="it-IT" sz="2400" dirty="0" err="1" smtClean="0">
                 <a:solidFill>
                   <a:srgbClr val="515151"/>
                 </a:solidFill>
                 <a:latin typeface="Microsoft YaHei" charset="-122"/>
                 <a:ea typeface="Microsoft YaHei" charset="-122"/>
               </a:rPr>
-              <a:t>Contro: il test dura parecchi minuti </a:t>
+              <a:t>Speect</a:t>
             </a:r>
+            <a:endParaRPr lang="it-IT" sz="2400" dirty="0">
+              <a:solidFill>
+                <a:srgbClr val="515151"/>
+              </a:solidFill>
+              <a:latin typeface="Microsoft YaHei" charset="-122"/>
+              <a:ea typeface="Microsoft YaHei" charset="-122"/>
+            </a:endParaRPr>
           </a:p>
           <a:p>
             <a:pPr marL="914400" lvl="2" indent="0">
@@ -9701,7 +9765,27 @@
                 <a:latin typeface="Microsoft YaHei" charset="-122"/>
                 <a:ea typeface="Microsoft YaHei" charset="-122"/>
               </a:rPr>
-              <a:t>Per l’organizzazione dei lavori ogni componente del gruppo ha notificato per tempo le proprie disponibilità</a:t>
+              <a:t>O</a:t>
+            </a:r>
+            <a:r>
+              <a:rPr lang="it-IT" sz="2400" dirty="0" smtClean="0">
+                <a:solidFill>
+                  <a:srgbClr val="515151"/>
+                </a:solidFill>
+                <a:latin typeface="Microsoft YaHei" charset="-122"/>
+                <a:ea typeface="Microsoft YaHei" charset="-122"/>
+              </a:rPr>
+              <a:t>gni </a:t>
+            </a:r>
+            <a:r>
+              <a:rPr lang="it-IT" sz="2400" dirty="0">
+                <a:solidFill>
+                  <a:srgbClr val="515151"/>
+                </a:solidFill>
+                <a:latin typeface="Microsoft YaHei" charset="-122"/>
+                <a:ea typeface="Microsoft YaHei" charset="-122"/>
+              </a:rPr>
+              <a:t>componente del gruppo ha notificato per tempo le proprie disponibilità</a:t>
             </a:r>
           </a:p>
           <a:p>
@@ -9736,8 +9820,25 @@
                 <a:latin typeface="Microsoft YaHei" charset="-122"/>
                 <a:ea typeface="Microsoft YaHei" charset="-122"/>
               </a:rPr>
-              <a:t>Ogni progettista ha affiancato un programmatore per poi proseguire per conto proprio</a:t>
+              <a:t>Ogni progettista ha </a:t>
             </a:r>
+            <a:r>
+              <a:rPr lang="it-IT" sz="2400" dirty="0" smtClean="0">
+                <a:solidFill>
+                  <a:srgbClr val="515151"/>
+                </a:solidFill>
+                <a:latin typeface="Microsoft YaHei" charset="-122"/>
+                <a:ea typeface="Microsoft YaHei" charset="-122"/>
+              </a:rPr>
+              <a:t>effettuato del studio personale</a:t>
+            </a:r>
+            <a:endParaRPr lang="it-IT" sz="2400" dirty="0">
+              <a:solidFill>
+                <a:srgbClr val="515151"/>
+              </a:solidFill>
+              <a:latin typeface="Microsoft YaHei" charset="-122"/>
+              <a:ea typeface="Microsoft YaHei" charset="-122"/>
+            </a:endParaRPr>
           </a:p>
           <a:p>
             <a:pPr algn="just">
@@ -11141,15 +11242,33 @@
                                   </p:childTnLst>
                                 </p:cTn>
                               </p:par>
+                            </p:childTnLst>
+                          </p:cTn>
+                        </p:par>
+                      </p:childTnLst>
+                    </p:cTn>
+                  </p:par>
+                  <p:par>
+                    <p:cTn id="9" fill="hold">
+                      <p:stCondLst>
+                        <p:cond delay="indefinite"/>
+                      </p:stCondLst>
+                      <p:childTnLst>
+                        <p:par>
+                          <p:cTn id="10" fill="hold">
+                            <p:stCondLst>
+                              <p:cond delay="0"/>
+                            </p:stCondLst>
+                            <p:childTnLst>
                               <p:par>
-                                <p:cTn id="9" presetID="2" presetClass="entr" presetSubtype="4" fill="hold" nodeType="withEffect">
+                                <p:cTn id="11" presetID="2" presetClass="entr" presetSubtype="4" fill="hold" nodeType="clickEffect">
                                   <p:stCondLst>
                                     <p:cond delay="0"/>
                                   </p:stCondLst>
                                   <p:childTnLst>
                                     <p:set>
                                       <p:cBhvr>
-                                        <p:cTn id="10" dur="1" fill="hold">
+                                        <p:cTn id="12" dur="1" fill="hold">
                                           <p:stCondLst>
                                             <p:cond delay="0"/>
                                           </p:stCondLst>
@@ -11157,7 +11276,7 @@
                                         <p:tgtEl>
                                           <p:spTgt spid="3">
                                             <p:txEl>
-                                              <p:pRg st="1" end="1"/>
+                                              <p:pRg st="2" end="2"/>
                                             </p:txEl>
                                           </p:spTgt>
                                         </p:tgtEl>
@@ -11171,11 +11290,11 @@
                                     </p:set>
                                     <p:anim calcmode="lin" valueType="num">
                                       <p:cBhvr additive="base">
-                                        <p:cTn id="11" dur="500" fill="hold"/>
+                                        <p:cTn id="13" dur="500" fill="hold"/>
                                         <p:tgtEl>
                                           <p:spTgt spid="3">
                                             <p:txEl>
-                                              <p:pRg st="1" end="1"/>
+                                              <p:pRg st="2" end="2"/>
                                             </p:txEl>
                                           </p:spTgt>
                                         </p:tgtEl>
@@ -11198,11 +11317,11 @@
                                     </p:anim>
                                     <p:anim calcmode="lin" valueType="num">
                                       <p:cBhvr additive="base">
-                                        <p:cTn id="12" dur="500" fill="hold"/>
+                                        <p:cTn id="14" dur="500" fill="hold"/>
                                         <p:tgtEl>
                                           <p:spTgt spid="3">
                                             <p:txEl>
-                                              <p:pRg st="1" end="1"/>
+                                              <p:pRg st="2" end="2"/>
                                             </p:txEl>
                                           </p:spTgt>
                                         </p:tgtEl>
@@ -11233,26 +11352,26 @@
                     </p:cTn>
                   </p:par>
                   <p:par>
-                    <p:cTn id="13" fill="hold">
+                    <p:cTn id="15" fill="hold">
                       <p:stCondLst>
                         <p:cond delay="indefinite"/>
                       </p:stCondLst>
                       <p:childTnLst>
                         <p:par>
-                          <p:cTn id="14" fill="hold">
+                          <p:cTn id="16" fill="hold">
                             <p:stCondLst>
                               <p:cond delay="0"/>
                             </p:stCondLst>
                             <p:childTnLst>
                               <p:par>
-                                <p:cTn id="15" presetID="2" presetClass="entr" presetSubtype="4" fill="hold" nodeType="clickEffect">
+                                <p:cTn id="17" presetID="2" presetClass="entr" presetSubtype="4" fill="hold" nodeType="clickEffect">
                                   <p:stCondLst>
                                     <p:cond delay="0"/>
                                   </p:stCondLst>
                                   <p:childTnLst>
                                     <p:set>
                                       <p:cBhvr>
-                                        <p:cTn id="16" dur="1" fill="hold">
+                                        <p:cTn id="18" dur="1" fill="hold">
                                           <p:stCondLst>
                                             <p:cond delay="0"/>
                                           </p:stCondLst>
@@ -11260,7 +11379,7 @@
                                         <p:tgtEl>
                                           <p:spTgt spid="3">
                                             <p:txEl>
-                                              <p:pRg st="3" end="3"/>
+                                              <p:pRg st="4" end="4"/>
                                             </p:txEl>
                                           </p:spTgt>
                                         </p:tgtEl>
@@ -11274,11 +11393,11 @@
                                     </p:set>
                                     <p:anim calcmode="lin" valueType="num">
                                       <p:cBhvr additive="base">
-                                        <p:cTn id="17" dur="500" fill="hold"/>
+                                        <p:cTn id="19" dur="500" fill="hold"/>
                                         <p:tgtEl>
                                           <p:spTgt spid="3">
                                             <p:txEl>
-                                              <p:pRg st="3" end="3"/>
+                                              <p:pRg st="4" end="4"/>
                                             </p:txEl>
                                           </p:spTgt>
                                         </p:tgtEl>
@@ -11301,114 +11420,11 @@
                                     </p:anim>
                                     <p:anim calcmode="lin" valueType="num">
                                       <p:cBhvr additive="base">
-                                        <p:cTn id="18" dur="500" fill="hold"/>
+                                        <p:cTn id="20" dur="500" fill="hold"/>
                                         <p:tgtEl>
                                           <p:spTgt spid="3">
                                             <p:txEl>
-                                              <p:pRg st="3" end="3"/>
-                                            </p:txEl>
-                                          </p:spTgt>
-                                        </p:tgtEl>
-                                        <p:attrNameLst>
-                                          <p:attrName>ppt_y</p:attrName>
-                                        </p:attrNameLst>
-                                      </p:cBhvr>
-                                      <p:tavLst>
-                                        <p:tav tm="0">
-                                          <p:val>
-                                            <p:strVal val="1+#ppt_h/2"/>
-                                          </p:val>
-                                        </p:tav>
-                                        <p:tav tm="100000">
-                                          <p:val>
-                                            <p:strVal val="#ppt_y"/>
-                                          </p:val>
-                                        </p:tav>
-                                      </p:tavLst>
-                                    </p:anim>
-                                  </p:childTnLst>
-                                </p:cTn>
-                              </p:par>
-                            </p:childTnLst>
-                          </p:cTn>
-                        </p:par>
-                      </p:childTnLst>
-                    </p:cTn>
-                  </p:par>
-                  <p:par>
-                    <p:cTn id="19" fill="hold">
-                      <p:stCondLst>
-                        <p:cond delay="indefinite"/>
-                      </p:stCondLst>
-                      <p:childTnLst>
-                        <p:par>
-                          <p:cTn id="20" fill="hold">
-                            <p:stCondLst>
-                              <p:cond delay="0"/>
-                            </p:stCondLst>
-                            <p:childTnLst>
-                              <p:par>
-                                <p:cTn id="21" presetID="2" presetClass="entr" presetSubtype="4" fill="hold" nodeType="clickEffect">
-                                  <p:stCondLst>
-                                    <p:cond delay="0"/>
-                                  </p:stCondLst>
-                                  <p:childTnLst>
-                                    <p:set>
-                                      <p:cBhvr>
-                                        <p:cTn id="22" dur="1" fill="hold">
-                                          <p:stCondLst>
-                                            <p:cond delay="0"/>
-                                          </p:stCondLst>
-                                        </p:cTn>
-                                        <p:tgtEl>
-                                          <p:spTgt spid="3">
-                                            <p:txEl>
-                                              <p:pRg st="5" end="5"/>
-                                            </p:txEl>
-                                          </p:spTgt>
-                                        </p:tgtEl>
-                                        <p:attrNameLst>
-                                          <p:attrName>style.visibility</p:attrName>
-                                        </p:attrNameLst>
-                                      </p:cBhvr>
-                                      <p:to>
-                                        <p:strVal val="visible"/>
-                                      </p:to>
-                                    </p:set>
-                                    <p:anim calcmode="lin" valueType="num">
-                                      <p:cBhvr additive="base">
-                                        <p:cTn id="23" dur="500" fill="hold"/>
-                                        <p:tgtEl>
-                                          <p:spTgt spid="3">
-                                            <p:txEl>
-                                              <p:pRg st="5" end="5"/>
-                                            </p:txEl>
-                                          </p:spTgt>
-                                        </p:tgtEl>
-                                        <p:attrNameLst>
-                                          <p:attrName>ppt_x</p:attrName>
-                                        </p:attrNameLst>
-                                      </p:cBhvr>
-                                      <p:tavLst>
-                                        <p:tav tm="0">
-                                          <p:val>
-                                            <p:strVal val="#ppt_x"/>
-                                          </p:val>
-                                        </p:tav>
-                                        <p:tav tm="100000">
-                                          <p:val>
-                                            <p:strVal val="#ppt_x"/>
-                                          </p:val>
-                                        </p:tav>
-                                      </p:tavLst>
-                                    </p:anim>
-                                    <p:anim calcmode="lin" valueType="num">
-                                      <p:cBhvr additive="base">
-                                        <p:cTn id="24" dur="500" fill="hold"/>
-                                        <p:tgtEl>
-                                          <p:spTgt spid="3">
-                                            <p:txEl>
-                                              <p:pRg st="5" end="5"/>
+                                              <p:pRg st="4" end="4"/>
                                             </p:txEl>
                                           </p:spTgt>
                                         </p:tgtEl>
@@ -18989,7 +19005,7 @@
         <p:spPr>
           <a:xfrm>
             <a:off x="3970171" y="1232500"/>
-            <a:ext cx="7425494" cy="461665"/>
+            <a:ext cx="6304226" cy="830997"/>
           </a:xfrm>
           <a:prstGeom prst="rect">
             <a:avLst/>
@@ -19010,8 +19026,57 @@
                 <a:latin typeface="Microsoft YaHei" charset="-122"/>
                 <a:ea typeface="Microsoft YaHei" charset="-122"/>
               </a:rPr>
-              <a:t>Prevediamo di finire il progetto per il 07-05-2018</a:t>
+              <a:t>Prevediamo di </a:t>
             </a:r>
+            <a:r>
+              <a:rPr lang="it-IT" sz="2400" dirty="0" smtClean="0">
+                <a:solidFill>
+                  <a:srgbClr val="515151"/>
+                </a:solidFill>
+                <a:latin typeface="Microsoft YaHei" charset="-122"/>
+                <a:ea typeface="Microsoft YaHei" charset="-122"/>
+              </a:rPr>
+              <a:t>candidarci per la Revisione</a:t>
+            </a:r>
+          </a:p>
+          <a:p>
+            <a:r>
+              <a:rPr lang="it-IT" sz="2400" dirty="0">
+                <a:solidFill>
+                  <a:srgbClr val="515151"/>
+                </a:solidFill>
+                <a:latin typeface="Microsoft YaHei" charset="-122"/>
+                <a:ea typeface="Microsoft YaHei" charset="-122"/>
+              </a:rPr>
+              <a:t> </a:t>
+            </a:r>
+            <a:r>
+              <a:rPr lang="it-IT" sz="2400" dirty="0" smtClean="0">
+                <a:solidFill>
+                  <a:srgbClr val="515151"/>
+                </a:solidFill>
+                <a:latin typeface="Microsoft YaHei" charset="-122"/>
+                <a:ea typeface="Microsoft YaHei" charset="-122"/>
+              </a:rPr>
+              <a:t>di Accettazione del </a:t>
+            </a:r>
+            <a:r>
+              <a:rPr lang="it-IT" sz="2400" dirty="0" smtClean="0">
+                <a:solidFill>
+                  <a:srgbClr val="515151"/>
+                </a:solidFill>
+                <a:latin typeface="Microsoft YaHei" charset="-122"/>
+                <a:ea typeface="Microsoft YaHei" charset="-122"/>
+              </a:rPr>
+              <a:t>14-05-2018</a:t>
+            </a:r>
+            <a:endParaRPr lang="it-IT" sz="2400" dirty="0">
+              <a:solidFill>
+                <a:srgbClr val="515151"/>
+              </a:solidFill>
+              <a:latin typeface="Microsoft YaHei" charset="-122"/>
+              <a:ea typeface="Microsoft YaHei" charset="-122"/>
+            </a:endParaRPr>
           </a:p>
         </p:txBody>
       </p:sp>
@@ -24749,7 +24814,7 @@
                 <a14:useLocalDpi xmlns:a14="http://schemas.microsoft.com/office/drawing/2010/main" val="0"/>
               </a:ext>
               <a:ext uri="{96DAC541-7B7A-43D3-8B79-37D633B846F1}">
-                <asvg:svgBlip xmlns:asvg="http://schemas.microsoft.com/office/drawing/2016/SVG/main" r:embed="rId3"/>
+                <asvg:svgBlip xmlns:asvg="http://schemas.microsoft.com/office/drawing/2016/SVG/main" xmlns="" r:embed="rId3"/>
               </a:ext>
             </a:extLst>
           </a:blip>
@@ -25571,7 +25636,7 @@
           <p:nvPr>
             <p:extLst>
               <p:ext uri="{D42A27DB-BD31-4B8C-83A1-F6EECF244321}">
-                <p14:modId xmlns:p14="http://schemas.microsoft.com/office/powerpoint/2010/main" val="1607130062"/>
+                <p14:modId xmlns:p14="http://schemas.microsoft.com/office/powerpoint/2010/main" val="2085486051"/>
               </p:ext>
             </p:extLst>
           </p:nvPr>

--- a/Presentazioni/Presentazioni PQ/Presentazione RQ.pptx
+++ b/Presentazioni/Presentazioni PQ/Presentazione RQ.pptx
@@ -151,7 +151,6 @@
   </mc:AlternateContent>
   <c:chart>
     <c:title>
-      <c:layout/>
       <c:overlay val="0"/>
       <c:spPr>
         <a:noFill/>
@@ -598,7 +597,6 @@
         <c:idx val="3"/>
         <c:delete val="1"/>
       </c:legendEntry>
-      <c:layout/>
       <c:overlay val="0"/>
       <c:spPr>
         <a:noFill/>
@@ -718,7 +716,6 @@
           </a:p>
         </c:rich>
       </c:tx>
-      <c:layout/>
       <c:overlay val="0"/>
       <c:spPr>
         <a:noFill/>
@@ -1008,9 +1005,7 @@
               <c:showPercent val="1"/>
               <c:showBubbleSize val="0"/>
               <c:extLst>
-                <c:ext xmlns:c15="http://schemas.microsoft.com/office/drawing/2012/chart" uri="{CE6537A1-D6FC-4f65-9D91-7224C49458BB}">
-                  <c15:layout/>
-                </c:ext>
+                <c:ext xmlns:c15="http://schemas.microsoft.com/office/drawing/2012/chart" uri="{CE6537A1-D6FC-4f65-9D91-7224C49458BB}"/>
                 <c:ext xmlns:c16="http://schemas.microsoft.com/office/drawing/2014/chart" uri="{C3380CC4-5D6E-409C-BE32-E72D297353CC}">
                   <c16:uniqueId val="{00000001-4C62-4867-8391-0BF5CE399FD6}"/>
                 </c:ext>
@@ -1177,7 +1172,6 @@
         <c:idx val="3"/>
         <c:delete val="1"/>
       </c:legendEntry>
-      <c:layout/>
       <c:overlay val="0"/>
       <c:spPr>
         <a:noFill/>
@@ -1289,7 +1283,6 @@
           </a:p>
         </c:rich>
       </c:tx>
-      <c:layout/>
       <c:overlay val="0"/>
       <c:spPr>
         <a:noFill/>
@@ -1534,7 +1527,6 @@
           <c:dLbls>
             <c:dLbl>
               <c:idx val="0"/>
-              <c:layout/>
               <c:tx>
                 <c:rich>
                   <a:bodyPr rot="0" spcFirstLastPara="1" vertOverflow="ellipsis" vert="horz" wrap="square" lIns="38100" tIns="19050" rIns="38100" bIns="19050" anchor="ctr" anchorCtr="1">
@@ -1602,7 +1594,6 @@
               <c:showBubbleSize val="0"/>
               <c:extLst>
                 <c:ext xmlns:c15="http://schemas.microsoft.com/office/drawing/2012/chart" uri="{CE6537A1-D6FC-4f65-9D91-7224C49458BB}">
-                  <c15:layout/>
                   <c15:dlblFieldTable/>
                   <c15:showDataLabelsRange val="0"/>
                 </c:ext>
@@ -1613,7 +1604,6 @@
             </c:dLbl>
             <c:dLbl>
               <c:idx val="1"/>
-              <c:layout/>
               <c:tx>
                 <c:rich>
                   <a:bodyPr rot="0" spcFirstLastPara="1" vertOverflow="ellipsis" vert="horz" wrap="square" lIns="38100" tIns="19050" rIns="38100" bIns="19050" anchor="ctr" anchorCtr="1">
@@ -1681,7 +1671,6 @@
               <c:showBubbleSize val="0"/>
               <c:extLst>
                 <c:ext xmlns:c15="http://schemas.microsoft.com/office/drawing/2012/chart" uri="{CE6537A1-D6FC-4f65-9D91-7224C49458BB}">
-                  <c15:layout/>
                   <c15:dlblFieldTable/>
                   <c15:showDataLabelsRange val="0"/>
                 </c:ext>
@@ -1848,7 +1837,6 @@
         <c:idx val="3"/>
         <c:delete val="1"/>
       </c:legendEntry>
-      <c:layout/>
       <c:overlay val="0"/>
       <c:spPr>
         <a:noFill/>
@@ -1961,7 +1949,6 @@
           </a:p>
         </c:rich>
       </c:tx>
-      <c:layout/>
       <c:overlay val="0"/>
       <c:spPr>
         <a:noFill/>
@@ -2360,7 +2347,6 @@
         <c:idx val="3"/>
         <c:delete val="1"/>
       </c:legendEntry>
-      <c:layout/>
       <c:overlay val="0"/>
       <c:spPr>
         <a:noFill/>
@@ -8919,16 +8905,6 @@
               <a:buChar char="v"/>
             </a:pPr>
             <a:r>
-              <a:rPr lang="it-IT" sz="2400" dirty="0" smtClean="0">
-                <a:solidFill>
-                  <a:srgbClr val="515151"/>
-                </a:solidFill>
-                <a:latin typeface="Microsoft YaHei" charset="-122"/>
-                <a:ea typeface="Microsoft YaHei" charset="-122"/>
-              </a:rPr>
-              <a:t>Suddivisione delle </a:t>
-            </a:r>
-            <a:r>
               <a:rPr lang="it-IT" sz="2400" dirty="0">
                 <a:solidFill>
                   <a:srgbClr val="515151"/>
@@ -8936,25 +8912,8 @@
                 <a:latin typeface="Microsoft YaHei" charset="-122"/>
                 <a:ea typeface="Microsoft YaHei" charset="-122"/>
               </a:rPr>
-              <a:t>attività a causa degli impegni dei componenti del </a:t>
+              <a:t>Suddivisione delle attività a causa degli impegni dei componenti del gruppo</a:t>
             </a:r>
-            <a:r>
-              <a:rPr lang="it-IT" sz="2400" dirty="0" smtClean="0">
-                <a:solidFill>
-                  <a:srgbClr val="515151"/>
-                </a:solidFill>
-                <a:latin typeface="Microsoft YaHei" charset="-122"/>
-                <a:ea typeface="Microsoft YaHei" charset="-122"/>
-              </a:rPr>
-              <a:t>gruppo</a:t>
-            </a:r>
-            <a:endParaRPr lang="it-IT" sz="2400" dirty="0">
-              <a:solidFill>
-                <a:srgbClr val="515151"/>
-              </a:solidFill>
-              <a:latin typeface="Microsoft YaHei" charset="-122"/>
-              <a:ea typeface="Microsoft YaHei" charset="-122"/>
-            </a:endParaRPr>
           </a:p>
           <a:p>
             <a:pPr algn="just">
@@ -8979,7 +8938,7 @@
               <a:buChar char="v"/>
             </a:pPr>
             <a:r>
-              <a:rPr lang="it-IT" sz="2400" dirty="0" smtClean="0">
+              <a:rPr lang="it-IT" sz="2400" dirty="0">
                 <a:solidFill>
                   <a:srgbClr val="515151"/>
                 </a:solidFill>
@@ -9014,16 +8973,6 @@
               <a:buChar char="v"/>
             </a:pPr>
             <a:r>
-              <a:rPr lang="it-IT" sz="2400" dirty="0" smtClean="0">
-                <a:solidFill>
-                  <a:srgbClr val="515151"/>
-                </a:solidFill>
-                <a:latin typeface="Microsoft YaHei" charset="-122"/>
-                <a:ea typeface="Microsoft YaHei" charset="-122"/>
-              </a:rPr>
-              <a:t>Implementazione dei test </a:t>
-            </a:r>
-            <a:r>
               <a:rPr lang="it-IT" sz="2400" dirty="0">
                 <a:solidFill>
                   <a:srgbClr val="515151"/>
@@ -9031,20 +8980,10 @@
                 <a:latin typeface="Microsoft YaHei" charset="-122"/>
                 <a:ea typeface="Microsoft YaHei" charset="-122"/>
               </a:rPr>
-              <a:t>del </a:t>
+              <a:t>Implementazione dei test del codice nella </a:t>
             </a:r>
             <a:r>
-              <a:rPr lang="it-IT" sz="2400" dirty="0" smtClean="0">
-                <a:solidFill>
-                  <a:srgbClr val="515151"/>
-                </a:solidFill>
-                <a:latin typeface="Microsoft YaHei" charset="-122"/>
-                <a:ea typeface="Microsoft YaHei" charset="-122"/>
-              </a:rPr>
-              <a:t>codice nella </a:t>
-            </a:r>
-            <a:r>
-              <a:rPr lang="it-IT" sz="2400" dirty="0" err="1" smtClean="0">
+              <a:rPr lang="it-IT" sz="2400" dirty="0" err="1">
                 <a:solidFill>
                   <a:srgbClr val="515151"/>
                 </a:solidFill>
@@ -9690,7 +9629,7 @@
               <a:buChar char="v"/>
             </a:pPr>
             <a:r>
-              <a:rPr lang="it-IT" sz="2400" dirty="0" smtClean="0">
+              <a:rPr lang="it-IT" sz="2400" dirty="0">
                 <a:solidFill>
                   <a:srgbClr val="515151"/>
                 </a:solidFill>
@@ -9700,7 +9639,7 @@
               <a:t>Risolto  problema riguardante </a:t>
             </a:r>
             <a:r>
-              <a:rPr lang="it-IT" sz="2400" dirty="0" err="1" smtClean="0">
+              <a:rPr lang="it-IT" sz="2400" dirty="0" err="1">
                 <a:solidFill>
                   <a:srgbClr val="515151"/>
                 </a:solidFill>
@@ -9710,7 +9649,7 @@
               <a:t>path</a:t>
             </a:r>
             <a:r>
-              <a:rPr lang="it-IT" sz="2400" dirty="0" smtClean="0">
+              <a:rPr lang="it-IT" sz="2400" dirty="0">
                 <a:solidFill>
                   <a:srgbClr val="515151"/>
                 </a:solidFill>
@@ -9720,7 +9659,7 @@
               <a:t> di </a:t>
             </a:r>
             <a:r>
-              <a:rPr lang="it-IT" sz="2400" dirty="0" err="1" smtClean="0">
+              <a:rPr lang="it-IT" sz="2400" dirty="0" err="1">
                 <a:solidFill>
                   <a:srgbClr val="515151"/>
                 </a:solidFill>
@@ -9765,27 +9704,7 @@
                 <a:latin typeface="Microsoft YaHei" charset="-122"/>
                 <a:ea typeface="Microsoft YaHei" charset="-122"/>
               </a:rPr>
-              <a:t>O</a:t>
-            </a:r>
-            <a:r>
-              <a:rPr lang="it-IT" sz="2400" dirty="0" smtClean="0">
-                <a:solidFill>
-                  <a:srgbClr val="515151"/>
-                </a:solidFill>
-                <a:latin typeface="Microsoft YaHei" charset="-122"/>
-                <a:ea typeface="Microsoft YaHei" charset="-122"/>
-              </a:rPr>
-              <a:t>gni </a:t>
-            </a:r>
-            <a:r>
-              <a:rPr lang="it-IT" sz="2400" dirty="0">
-                <a:solidFill>
-                  <a:srgbClr val="515151"/>
-                </a:solidFill>
-                <a:latin typeface="Microsoft YaHei" charset="-122"/>
-                <a:ea typeface="Microsoft YaHei" charset="-122"/>
-              </a:rPr>
-              <a:t>componente del gruppo ha notificato per tempo le proprie disponibilità</a:t>
+              <a:t>Ogni componente del gruppo ha notificato per tempo le proprie disponibilità</a:t>
             </a:r>
           </a:p>
           <a:p>
@@ -9820,25 +9739,8 @@
                 <a:latin typeface="Microsoft YaHei" charset="-122"/>
                 <a:ea typeface="Microsoft YaHei" charset="-122"/>
               </a:rPr>
-              <a:t>Ogni progettista ha </a:t>
+              <a:t>Ogni progettista ha effettuato del studio personale</a:t>
             </a:r>
-            <a:r>
-              <a:rPr lang="it-IT" sz="2400" dirty="0" smtClean="0">
-                <a:solidFill>
-                  <a:srgbClr val="515151"/>
-                </a:solidFill>
-                <a:latin typeface="Microsoft YaHei" charset="-122"/>
-                <a:ea typeface="Microsoft YaHei" charset="-122"/>
-              </a:rPr>
-              <a:t>effettuato del studio personale</a:t>
-            </a:r>
-            <a:endParaRPr lang="it-IT" sz="2400" dirty="0">
-              <a:solidFill>
-                <a:srgbClr val="515151"/>
-              </a:solidFill>
-              <a:latin typeface="Microsoft YaHei" charset="-122"/>
-              <a:ea typeface="Microsoft YaHei" charset="-122"/>
-            </a:endParaRPr>
           </a:p>
           <a:p>
             <a:pPr algn="just">
@@ -11877,14 +11779,14 @@
           <p:nvPr>
             <p:extLst>
               <p:ext uri="{D42A27DB-BD31-4B8C-83A1-F6EECF244321}">
-                <p14:modId xmlns:p14="http://schemas.microsoft.com/office/powerpoint/2010/main" val="3785609654"/>
+                <p14:modId xmlns:p14="http://schemas.microsoft.com/office/powerpoint/2010/main" val="1398432913"/>
               </p:ext>
             </p:extLst>
           </p:nvPr>
         </p:nvGraphicFramePr>
         <p:xfrm>
           <a:off x="1493322" y="2097178"/>
-          <a:ext cx="9143575" cy="4357525"/>
+          <a:ext cx="9432825" cy="3819045"/>
         </p:xfrm>
         <a:graphic>
           <a:graphicData uri="http://schemas.openxmlformats.org/drawingml/2006/table">
@@ -11921,7 +11823,7 @@
                     </a:ext>
                   </a:extLst>
                 </a:gridCol>
-                <a:gridCol w="1987420">
+                <a:gridCol w="2276670">
                   <a:extLst>
                     <a:ext uri="{9D8B030D-6E8A-4147-A177-3AD203B41FA5}">
                       <a16:colId xmlns:a16="http://schemas.microsoft.com/office/drawing/2014/main" val="20004"/>
@@ -19026,17 +18928,7 @@
                 <a:latin typeface="Microsoft YaHei" charset="-122"/>
                 <a:ea typeface="Microsoft YaHei" charset="-122"/>
               </a:rPr>
-              <a:t>Prevediamo di </a:t>
-            </a:r>
-            <a:r>
-              <a:rPr lang="it-IT" sz="2400" dirty="0" smtClean="0">
-                <a:solidFill>
-                  <a:srgbClr val="515151"/>
-                </a:solidFill>
-                <a:latin typeface="Microsoft YaHei" charset="-122"/>
-                <a:ea typeface="Microsoft YaHei" charset="-122"/>
-              </a:rPr>
-              <a:t>candidarci per la Revisione</a:t>
+              <a:t>Prevediamo di candidarci per la Revisione</a:t>
             </a:r>
           </a:p>
           <a:p>
@@ -19048,35 +18940,8 @@
                 <a:latin typeface="Microsoft YaHei" charset="-122"/>
                 <a:ea typeface="Microsoft YaHei" charset="-122"/>
               </a:rPr>
-              <a:t> </a:t>
+              <a:t> di Accettazione del 14-05-2018</a:t>
             </a:r>
-            <a:r>
-              <a:rPr lang="it-IT" sz="2400" dirty="0" smtClean="0">
-                <a:solidFill>
-                  <a:srgbClr val="515151"/>
-                </a:solidFill>
-                <a:latin typeface="Microsoft YaHei" charset="-122"/>
-                <a:ea typeface="Microsoft YaHei" charset="-122"/>
-              </a:rPr>
-              <a:t>di Accettazione del </a:t>
-            </a:r>
-            <a:r>
-              <a:rPr lang="it-IT" sz="2400" dirty="0" smtClean="0">
-                <a:solidFill>
-                  <a:srgbClr val="515151"/>
-                </a:solidFill>
-                <a:latin typeface="Microsoft YaHei" charset="-122"/>
-                <a:ea typeface="Microsoft YaHei" charset="-122"/>
-              </a:rPr>
-              <a:t>14-05-2018</a:t>
-            </a:r>
-            <a:endParaRPr lang="it-IT" sz="2400" dirty="0">
-              <a:solidFill>
-                <a:srgbClr val="515151"/>
-              </a:solidFill>
-              <a:latin typeface="Microsoft YaHei" charset="-122"/>
-              <a:ea typeface="Microsoft YaHei" charset="-122"/>
-            </a:endParaRPr>
           </a:p>
         </p:txBody>
       </p:sp>
@@ -24814,7 +24679,7 @@
                 <a14:useLocalDpi xmlns:a14="http://schemas.microsoft.com/office/drawing/2010/main" val="0"/>
               </a:ext>
               <a:ext uri="{96DAC541-7B7A-43D3-8B79-37D633B846F1}">
-                <asvg:svgBlip xmlns:asvg="http://schemas.microsoft.com/office/drawing/2016/SVG/main" xmlns="" r:embed="rId3"/>
+                <asvg:svgBlip xmlns:asvg="http://schemas.microsoft.com/office/drawing/2016/SVG/main" r:embed="rId3"/>
               </a:ext>
             </a:extLst>
           </a:blip>

--- a/Presentazioni/Presentazioni PQ/Presentazione RQ.pptx
+++ b/Presentazioni/Presentazioni PQ/Presentazione RQ.pptx
@@ -11779,13 +11779,13 @@
           <p:nvPr>
             <p:extLst>
               <p:ext uri="{D42A27DB-BD31-4B8C-83A1-F6EECF244321}">
-                <p14:modId xmlns:p14="http://schemas.microsoft.com/office/powerpoint/2010/main" val="1398432913"/>
+                <p14:modId xmlns:p14="http://schemas.microsoft.com/office/powerpoint/2010/main" val="1939925593"/>
               </p:ext>
             </p:extLst>
           </p:nvPr>
         </p:nvGraphicFramePr>
         <p:xfrm>
-          <a:off x="1493322" y="2097178"/>
+          <a:off x="1348853" y="2097178"/>
           <a:ext cx="9432825" cy="3819045"/>
         </p:xfrm>
         <a:graphic>
@@ -27098,7 +27098,7 @@
         <p:spPr>
           <a:xfrm>
             <a:off x="531225" y="2523164"/>
-            <a:ext cx="11138227" cy="3539430"/>
+            <a:ext cx="11138227" cy="3908762"/>
           </a:xfrm>
           <a:prstGeom prst="rect">
             <a:avLst/>
@@ -27271,7 +27271,7 @@
                 <a:ea typeface="Microsoft YaHei" charset="-122"/>
                 <a:cs typeface="Microsoft YaHei" charset="-122"/>
               </a:rPr>
-              <a:t>Difficile in 15 minuti includere il funzionamento di </a:t>
+              <a:t>Difficile in 15 minuti esporre l’architettura di </a:t>
             </a:r>
             <a:r>
               <a:rPr lang="it-IT" sz="2400" dirty="0" err="1">
@@ -27282,16 +27282,19 @@
                 <a:ea typeface="Microsoft YaHei" charset="-122"/>
                 <a:cs typeface="Microsoft YaHei" charset="-122"/>
               </a:rPr>
-              <a:t>deSpeect</a:t>
+              <a:t>DeSpeect</a:t>
             </a:r>
-            <a:endParaRPr lang="it-IT" sz="2400" dirty="0">
-              <a:solidFill>
-                <a:srgbClr val="515151"/>
-              </a:solidFill>
-              <a:latin typeface="Microsoft YaHei" charset="-122"/>
-              <a:ea typeface="Microsoft YaHei" charset="-122"/>
-              <a:cs typeface="Microsoft YaHei" charset="-122"/>
-            </a:endParaRPr>
+            <a:r>
+              <a:rPr lang="it-IT" sz="2400" dirty="0">
+                <a:solidFill>
+                  <a:srgbClr val="515151"/>
+                </a:solidFill>
+                <a:latin typeface="Microsoft YaHei" charset="-122"/>
+                <a:ea typeface="Microsoft YaHei" charset="-122"/>
+                <a:cs typeface="Microsoft YaHei" charset="-122"/>
+              </a:rPr>
+              <a:t> senza nessuna conoscenza pregressa</a:t>
+            </a:r>
           </a:p>
         </p:txBody>
       </p:sp>

--- a/Presentazioni/Presentazioni PQ/Presentazione RQ.pptx
+++ b/Presentazioni/Presentazioni PQ/Presentazione RQ.pptx
@@ -8945,7 +8945,26 @@
                 <a:latin typeface="Microsoft YaHei" charset="-122"/>
                 <a:ea typeface="Microsoft YaHei" charset="-122"/>
               </a:rPr>
-              <a:t>Progettazione  dell’architettura</a:t>
+              <a:t>Progettazione  dell</a:t>
+            </a:r>
+            <a:r>
+              <a:rPr lang="it-IT" sz="2400" dirty="0">
+                <a:solidFill>
+                  <a:srgbClr val="515151"/>
+                </a:solidFill>
+                <a:ea typeface="Microsoft YaHei" charset="-122"/>
+              </a:rPr>
+              <a:t>’</a:t>
+            </a:r>
+            <a:r>
+              <a:rPr lang="it-IT" sz="2400" dirty="0">
+                <a:solidFill>
+                  <a:srgbClr val="515151"/>
+                </a:solidFill>
+                <a:latin typeface="Microsoft YaHei" charset="-122"/>
+                <a:ea typeface="Microsoft YaHei" charset="-122"/>
+              </a:rPr>
+              <a:t>architettura</a:t>
             </a:r>
           </a:p>
           <a:p>
@@ -20213,7 +20232,7 @@
           <a:p>
             <a:pPr marL="457200" indent="-457200" algn="just">
               <a:buClr>
-                <a:srgbClr val="424A53"/>
+                <a:srgbClr val="FFD600"/>
               </a:buClr>
               <a:buFont typeface="Wingdings" charset="2"/>
               <a:buChar char="v"/>
@@ -20248,7 +20267,7 @@
           <a:p>
             <a:pPr marL="457200" indent="-457200" algn="just">
               <a:buClr>
-                <a:srgbClr val="424A53"/>
+                <a:srgbClr val="FFD600"/>
               </a:buClr>
               <a:buFont typeface="Wingdings" charset="2"/>
               <a:buChar char="v"/>
@@ -20300,7 +20319,7 @@
             </a:avLst>
           </a:prstGeom>
           <a:solidFill>
-            <a:srgbClr val="424A53"/>
+            <a:srgbClr val="FFD600"/>
           </a:solidFill>
           <a:ln>
             <a:noFill/>
@@ -20349,7 +20368,7 @@
             </a:avLst>
           </a:prstGeom>
           <a:solidFill>
-            <a:srgbClr val="424A53"/>
+            <a:srgbClr val="FFD600"/>
           </a:solidFill>
           <a:ln>
             <a:noFill/>
@@ -20395,7 +20414,7 @@
             <a:chExt cx="542925" cy="603250"/>
           </a:xfrm>
           <a:solidFill>
-            <a:schemeClr val="accent4"/>
+            <a:srgbClr val="FFD600"/>
           </a:solidFill>
         </p:grpSpPr>
         <p:sp>
@@ -27271,7 +27290,28 @@
                 <a:ea typeface="Microsoft YaHei" charset="-122"/>
                 <a:cs typeface="Microsoft YaHei" charset="-122"/>
               </a:rPr>
-              <a:t>Difficile in 15 minuti esporre l’architettura di </a:t>
+              <a:t>Difficile in 15 minuti esporre l</a:t>
+            </a:r>
+            <a:r>
+              <a:rPr lang="it-IT" sz="2400" dirty="0">
+                <a:solidFill>
+                  <a:srgbClr val="515151"/>
+                </a:solidFill>
+                <a:ea typeface="Microsoft YaHei" charset="-122"/>
+                <a:cs typeface="Microsoft YaHei" charset="-122"/>
+              </a:rPr>
+              <a:t>’</a:t>
+            </a:r>
+            <a:r>
+              <a:rPr lang="it-IT" sz="2400" dirty="0">
+                <a:solidFill>
+                  <a:srgbClr val="515151"/>
+                </a:solidFill>
+                <a:latin typeface="Microsoft YaHei" charset="-122"/>
+                <a:ea typeface="Microsoft YaHei" charset="-122"/>
+                <a:cs typeface="Microsoft YaHei" charset="-122"/>
+              </a:rPr>
+              <a:t>architettura di </a:t>
             </a:r>
             <a:r>
               <a:rPr lang="it-IT" sz="2400" dirty="0" err="1">

--- a/Presentazioni/Presentazioni PQ/Presentazione RQ.pptx
+++ b/Presentazioni/Presentazioni PQ/Presentazione RQ.pptx
@@ -151,6 +151,35 @@
   </mc:AlternateContent>
   <c:chart>
     <c:title>
+      <c:tx>
+        <c:rich>
+          <a:bodyPr rot="0" spcFirstLastPara="1" vertOverflow="ellipsis" vert="horz" wrap="square" anchor="ctr" anchorCtr="1"/>
+          <a:lstStyle/>
+          <a:p>
+            <a:pPr>
+              <a:defRPr sz="2128" b="1" i="0" u="none" strike="noStrike" kern="1200" spc="100" baseline="0">
+                <a:solidFill>
+                  <a:srgbClr val="515151"/>
+                </a:solidFill>
+                <a:effectLst>
+                  <a:outerShdw blurRad="50800" dist="38100" dir="5400000" algn="t" rotWithShape="0">
+                    <a:prstClr val="black">
+                      <a:alpha val="40000"/>
+                    </a:prstClr>
+                  </a:outerShdw>
+                </a:effectLst>
+                <a:latin typeface="+mn-lt"/>
+                <a:ea typeface="+mn-ea"/>
+                <a:cs typeface="+mn-cs"/>
+              </a:defRPr>
+            </a:pPr>
+            <a:r>
+              <a:rPr lang="it-IT" dirty="0"/>
+              <a:t>Architettura</a:t>
+            </a:r>
+          </a:p>
+        </c:rich>
+      </c:tx>
       <c:overlay val="0"/>
       <c:spPr>
         <a:noFill/>
@@ -4637,7 +4666,7 @@
           <a:p>
             <a:fld id="{9BB1FC3C-743C-D440-849B-A5D1FCB9B240}" type="datetimeFigureOut">
               <a:rPr lang="it-IT" smtClean="0"/>
-              <a:t>22/04/2018</a:t>
+              <a:t>12/05/2018</a:t>
             </a:fld>
             <a:endParaRPr lang="it-IT"/>
           </a:p>
@@ -24963,7 +24992,7 @@
           <p:nvPr>
             <p:extLst>
               <p:ext uri="{D42A27DB-BD31-4B8C-83A1-F6EECF244321}">
-                <p14:modId xmlns:p14="http://schemas.microsoft.com/office/powerpoint/2010/main" val="2952379715"/>
+                <p14:modId xmlns:p14="http://schemas.microsoft.com/office/powerpoint/2010/main" val="1312316478"/>
               </p:ext>
             </p:extLst>
           </p:nvPr>
